--- a/04_AdvCacheOpt_I_04.pptx
+++ b/04_AdvCacheOpt_I_04.pptx
@@ -6055,7 +6055,7 @@
         <p:spPr>
           <a:xfrm>
             <a:off x="467543" y="1268758"/>
-            <a:ext cx="8241831" cy="1800202"/>
+            <a:ext cx="8241831" cy="1296146"/>
           </a:xfrm>
           <a:ln>
             <a:solidFill>
@@ -6178,44 +6178,6 @@
                 <a:effectLst/>
               </a:rPr>
               <a:t>.</a:t>
-            </a:r>
-          </a:p>
-          <a:p>
-            <a:pPr marL="342900" indent="-342900" algn="l">
-              <a:buClr>
-                <a:srgbClr val="0070C0"/>
-              </a:buClr>
-              <a:buSzPct val="80000"/>
-              <a:buFont typeface="Wingdings" pitchFamily="2" charset="2"/>
-              <a:buChar char="u"/>
-            </a:pPr>
-            <a:r>
-              <a:rPr lang="en-US" sz="1400" b="0" i="0" dirty="0">
-                <a:solidFill>
-                  <a:srgbClr val="000000"/>
-                </a:solidFill>
-                <a:effectLst/>
-              </a:rPr>
-              <a:t>36:20 So, we will just summarize whatever is the techniques we have learned today.</a:t>
-            </a:r>
-          </a:p>
-          <a:p>
-            <a:pPr marL="342900" indent="-342900" algn="l">
-              <a:buClr>
-                <a:srgbClr val="0070C0"/>
-              </a:buClr>
-              <a:buSzPct val="80000"/>
-              <a:buFont typeface="Wingdings" pitchFamily="2" charset="2"/>
-              <a:buChar char="u"/>
-            </a:pPr>
-            <a:r>
-              <a:rPr lang="en-US" sz="1400" b="0" i="0" dirty="0">
-                <a:solidFill>
-                  <a:srgbClr val="000000"/>
-                </a:solidFill>
-                <a:effectLst/>
-              </a:rPr>
-              <a:t>36:24 We were continuing in our discussions with optimization principles in cache memory.</a:t>
             </a:r>
           </a:p>
           <a:p>
@@ -6667,7 +6629,58 @@
                   <a:schemeClr val="tx1"/>
                 </a:solidFill>
               </a:rPr>
-              <a:t>Advanced Cache Optimization Technique I (Part 4) (00:32/40:09</a:t>
+              <a:t>Advanced Cache Optimization Technique I (Part 4</a:t>
+            </a:r>
+            <a:r>
+              <a:rPr lang="en-US" sz="1400" b="1">
+                <a:solidFill>
+                  <a:schemeClr val="tx1"/>
+                </a:solidFill>
+              </a:rPr>
+              <a:t>) (36:20/40:09)</a:t>
+            </a:r>
+            <a:endParaRPr lang="en-US" sz="1400" b="1" dirty="0">
+              <a:solidFill>
+                <a:schemeClr val="tx1"/>
+              </a:solidFill>
+            </a:endParaRPr>
+          </a:p>
+          <a:p>
+            <a:pPr marL="342900" indent="-342900" algn="l">
+              <a:buClr>
+                <a:srgbClr val="0070C0"/>
+              </a:buClr>
+              <a:buSzPct val="80000"/>
+              <a:buFont typeface="Wingdings" pitchFamily="2" charset="2"/>
+              <a:buChar char="u"/>
+            </a:pPr>
+            <a:r>
+              <a:rPr lang="en-US" sz="1400" b="0" i="0" dirty="0">
+                <a:solidFill>
+                  <a:srgbClr val="000000"/>
+                </a:solidFill>
+                <a:effectLst/>
+              </a:rPr>
+              <a:t>36:20 So, we will just summarize whatever is the techniques we have learned today.</a:t>
+            </a:r>
+          </a:p>
+          <a:p>
+            <a:pPr marL="342900" indent="-342900" algn="l">
+              <a:buClr>
+                <a:srgbClr val="0070C0"/>
+              </a:buClr>
+              <a:buSzPct val="80000"/>
+              <a:buFont typeface="Wingdings" pitchFamily="2" charset="2"/>
+              <a:buChar char="u"/>
+            </a:pPr>
+            <a:r>
+              <a:rPr lang="en-US" sz="1400" b="0" i="0" dirty="0">
+                <a:solidFill>
+                  <a:srgbClr val="000000"/>
+                </a:solidFill>
+                <a:effectLst/>
+              </a:rPr>
+              <a:t>36:24 We were continuing in our discussions with optimization principles in cache memory.</a:t>
             </a:r>
           </a:p>
           <a:p>
